--- a/slides/Intro.pptx
+++ b/slides/Intro.pptx
@@ -267,7 +267,7 @@
               <a:rPr lang="de-DE" smtClean="0">
                 <a:latin typeface="AA Zuehlke" pitchFamily="2" charset="0"/>
               </a:rPr>
-              <a:t>18.04.2017</a:t>
+              <a:t>20.04.2017</a:t>
             </a:fld>
             <a:endParaRPr lang="de-DE" dirty="0">
               <a:latin typeface="AA Zuehlke" pitchFamily="2" charset="0"/>
@@ -445,7 +445,7 @@
             <a:fld id="{A6966AE6-B72D-4967-9CA3-8469D2863705}" type="datetimeFigureOut">
               <a:rPr lang="en-US" smtClean="0"/>
               <a:pPr/>
-              <a:t>4/18/2017</a:t>
+              <a:t>4/20/2017</a:t>
             </a:fld>
             <a:endParaRPr lang="en-US" dirty="0"/>
           </a:p>
@@ -5592,7 +5592,7 @@
             <p:ph idx="1"/>
             <p:extLst>
               <p:ext uri="{D42A27DB-BD31-4B8C-83A1-F6EECF244321}">
-                <p14:modId xmlns:p14="http://schemas.microsoft.com/office/powerpoint/2010/main" val="1181030263"/>
+                <p14:modId xmlns:p14="http://schemas.microsoft.com/office/powerpoint/2010/main" val="1603280743"/>
               </p:ext>
             </p:extLst>
           </p:nvPr>
@@ -5684,7 +5684,15 @@
                       </a:r>
                       <a:r>
                         <a:rPr lang="en-GB" baseline="0" dirty="0" smtClean="0"/>
-                        <a:t> Boot Configuration </a:t>
+                        <a:t> </a:t>
+                      </a:r>
+                      <a:r>
+                        <a:rPr lang="en-GB" baseline="0" smtClean="0"/>
+                        <a:t>Boot </a:t>
+                      </a:r>
+                      <a:r>
+                        <a:rPr lang="en-GB" baseline="0" smtClean="0"/>
+                        <a:t>Configuration and Feign </a:t>
                       </a:r>
                       <a:r>
                         <a:rPr lang="en-GB" b="1" baseline="0" dirty="0" smtClean="0"/>

--- a/slides/Intro.pptx
+++ b/slides/Intro.pptx
@@ -5592,14 +5592,14 @@
             <p:ph idx="1"/>
             <p:extLst>
               <p:ext uri="{D42A27DB-BD31-4B8C-83A1-F6EECF244321}">
-                <p14:modId xmlns:p14="http://schemas.microsoft.com/office/powerpoint/2010/main" val="1603280743"/>
+                <p14:modId xmlns:p14="http://schemas.microsoft.com/office/powerpoint/2010/main" val="68151832"/>
               </p:ext>
             </p:extLst>
           </p:nvPr>
         </p:nvGraphicFramePr>
         <p:xfrm>
           <a:off x="773113" y="1789113"/>
-          <a:ext cx="11215688" cy="4892040"/>
+          <a:ext cx="11215688" cy="4993640"/>
         </p:xfrm>
         <a:graphic>
           <a:graphicData uri="http://schemas.openxmlformats.org/drawingml/2006/table">
@@ -5679,20 +5679,8 @@
                     <a:lstStyle/>
                     <a:p>
                       <a:r>
-                        <a:rPr lang="en-GB" dirty="0" smtClean="0"/>
-                        <a:t>Spring</a:t>
-                      </a:r>
-                      <a:r>
                         <a:rPr lang="en-GB" baseline="0" dirty="0" smtClean="0"/>
-                        <a:t> </a:t>
-                      </a:r>
-                      <a:r>
-                        <a:rPr lang="en-GB" baseline="0" smtClean="0"/>
-                        <a:t>Boot </a:t>
-                      </a:r>
-                      <a:r>
-                        <a:rPr lang="en-GB" baseline="0" smtClean="0"/>
-                        <a:t>Configuration and Feign </a:t>
+                        <a:t>Service Integration </a:t>
                       </a:r>
                       <a:r>
                         <a:rPr lang="en-GB" b="1" baseline="0" dirty="0" smtClean="0"/>
@@ -5735,15 +5723,13 @@
                       </a:r>
                       <a:r>
                         <a:rPr lang="en-GB" dirty="0" smtClean="0"/>
-                        <a:t> “Get some real movies”</a:t>
-                      </a:r>
-                    </a:p>
-                    <a:p>
+                        <a:t> “Get some real movies</a:t>
+                      </a:r>
                       <a:r>
                         <a:rPr lang="en-GB" dirty="0" smtClean="0"/>
-                        <a:t>Tests</a:t>
-                      </a:r>
-                      <a:endParaRPr lang="en-GB" dirty="0"/>
+                        <a:t>”</a:t>
+                      </a:r>
+                      <a:endParaRPr lang="en-GB" dirty="0" smtClean="0"/>
                     </a:p>
                   </a:txBody>
                   <a:tcPr/>
@@ -5751,6 +5737,49 @@
                 <a:extLst>
                   <a:ext uri="{0D108BD9-81ED-4DB2-BD59-A6C34878D82A}">
                     <a16:rowId xmlns:a16="http://schemas.microsoft.com/office/drawing/2014/main" val="139490186"/>
+                  </a:ext>
+                </a:extLst>
+              </a:tr>
+              <a:tr h="370840">
+                <a:tc>
+                  <a:txBody>
+                    <a:bodyPr/>
+                    <a:lstStyle/>
+                    <a:p>
+                      <a:r>
+                        <a:rPr lang="en-GB" dirty="0" smtClean="0"/>
+                        <a:t>13:45</a:t>
+                      </a:r>
+                      <a:endParaRPr lang="en-GB" dirty="0"/>
+                    </a:p>
+                  </a:txBody>
+                  <a:tcPr/>
+                </a:tc>
+                <a:tc>
+                  <a:txBody>
+                    <a:bodyPr/>
+                    <a:lstStyle/>
+                    <a:p>
+                      <a:r>
+                        <a:rPr lang="en-GB" dirty="0" smtClean="0"/>
+                        <a:t>Spring Boot Configuration </a:t>
+                      </a:r>
+                      <a:r>
+                        <a:rPr lang="en-GB" b="1" dirty="0" smtClean="0"/>
+                        <a:t>new</a:t>
+                      </a:r>
+                      <a:r>
+                        <a:rPr lang="en-GB" b="1" baseline="0" dirty="0" smtClean="0"/>
+                        <a:t> Slides</a:t>
+                      </a:r>
+                      <a:endParaRPr lang="en-GB" b="1" dirty="0"/>
+                    </a:p>
+                  </a:txBody>
+                  <a:tcPr/>
+                </a:tc>
+                <a:extLst>
+                  <a:ext uri="{0D108BD9-81ED-4DB2-BD59-A6C34878D82A}">
+                    <a16:rowId xmlns:a16="http://schemas.microsoft.com/office/drawing/2014/main" val="1353231885"/>
                   </a:ext>
                 </a:extLst>
               </a:tr>

--- a/slides/Intro.pptx
+++ b/slides/Intro.pptx
@@ -267,7 +267,7 @@
               <a:rPr lang="de-DE" smtClean="0">
                 <a:latin typeface="AA Zuehlke" pitchFamily="2" charset="0"/>
               </a:rPr>
-              <a:t>20.04.2017</a:t>
+              <a:t>21.04.2017</a:t>
             </a:fld>
             <a:endParaRPr lang="de-DE" dirty="0">
               <a:latin typeface="AA Zuehlke" pitchFamily="2" charset="0"/>
@@ -445,7 +445,7 @@
             <a:fld id="{A6966AE6-B72D-4967-9CA3-8469D2863705}" type="datetimeFigureOut">
               <a:rPr lang="en-US" smtClean="0"/>
               <a:pPr/>
-              <a:t>4/20/2017</a:t>
+              <a:t>4/21/2017</a:t>
             </a:fld>
             <a:endParaRPr lang="en-US" dirty="0"/>
           </a:p>
@@ -1269,6 +1269,245 @@
     <p:extLst>
       <p:ext uri="{BB962C8B-B14F-4D97-AF65-F5344CB8AC3E}">
         <p14:creationId xmlns:p14="http://schemas.microsoft.com/office/powerpoint/2010/main" val="253790818"/>
+      </p:ext>
+    </p:extLst>
+  </p:cSld>
+  <p:clrMapOvr>
+    <a:masterClrMapping/>
+  </p:clrMapOvr>
+</p:notes>
+</file>
+
+<file path=ppt/notesSlides/notesSlide2.xml><?xml version="1.0" encoding="utf-8"?>
+<p:notes xmlns:a="http://schemas.openxmlformats.org/drawingml/2006/main" xmlns:r="http://schemas.openxmlformats.org/officeDocument/2006/relationships" xmlns:p="http://schemas.openxmlformats.org/presentationml/2006/main">
+  <p:cSld>
+    <p:spTree>
+      <p:nvGrpSpPr>
+        <p:cNvPr id="1" name=""/>
+        <p:cNvGrpSpPr/>
+        <p:nvPr/>
+      </p:nvGrpSpPr>
+      <p:grpSpPr>
+        <a:xfrm>
+          <a:off x="0" y="0"/>
+          <a:ext cx="0" cy="0"/>
+          <a:chOff x="0" y="0"/>
+          <a:chExt cx="0" cy="0"/>
+        </a:xfrm>
+      </p:grpSpPr>
+      <p:sp>
+        <p:nvSpPr>
+          <p:cNvPr id="2" name="Slide Image Placeholder 1"/>
+          <p:cNvSpPr>
+            <a:spLocks noGrp="1" noRot="1" noChangeAspect="1"/>
+          </p:cNvSpPr>
+          <p:nvPr>
+            <p:ph type="sldImg"/>
+          </p:nvPr>
+        </p:nvSpPr>
+        <p:spPr/>
+      </p:sp>
+      <p:sp>
+        <p:nvSpPr>
+          <p:cNvPr id="3" name="Notes Placeholder 2"/>
+          <p:cNvSpPr>
+            <a:spLocks noGrp="1"/>
+          </p:cNvSpPr>
+          <p:nvPr>
+            <p:ph type="body" idx="1"/>
+          </p:nvPr>
+        </p:nvSpPr>
+        <p:spPr/>
+        <p:txBody>
+          <a:bodyPr/>
+          <a:lstStyle/>
+          <a:p>
+            <a:r>
+              <a:rPr lang="de-CH" dirty="0" smtClean="0"/>
+              <a:t>Jede</a:t>
+            </a:r>
+            <a:r>
+              <a:rPr lang="de-CH" baseline="0" dirty="0" smtClean="0"/>
+              <a:t> Übung sollte nicht länger als 25 Minuten dauern, damit genügend Zeit ist, die Übung zu besprechen.</a:t>
+            </a:r>
+            <a:endParaRPr lang="de-CH" dirty="0"/>
+          </a:p>
+        </p:txBody>
+      </p:sp>
+      <p:sp>
+        <p:nvSpPr>
+          <p:cNvPr id="4" name="Slide Number Placeholder 3"/>
+          <p:cNvSpPr>
+            <a:spLocks noGrp="1"/>
+          </p:cNvSpPr>
+          <p:nvPr>
+            <p:ph type="sldNum" sz="quarter" idx="10"/>
+          </p:nvPr>
+        </p:nvSpPr>
+        <p:spPr/>
+        <p:txBody>
+          <a:bodyPr/>
+          <a:lstStyle/>
+          <a:p>
+            <a:fld id="{04E102C5-3B9C-48EE-BFF0-2E7AF2F2A1F4}" type="slidenum">
+              <a:rPr lang="en-US" smtClean="0"/>
+              <a:pPr/>
+              <a:t>3</a:t>
+            </a:fld>
+            <a:endParaRPr lang="en-US" dirty="0"/>
+          </a:p>
+        </p:txBody>
+      </p:sp>
+    </p:spTree>
+    <p:extLst>
+      <p:ext uri="{BB962C8B-B14F-4D97-AF65-F5344CB8AC3E}">
+        <p14:creationId xmlns:p14="http://schemas.microsoft.com/office/powerpoint/2010/main" val="1124925226"/>
+      </p:ext>
+    </p:extLst>
+  </p:cSld>
+  <p:clrMapOvr>
+    <a:masterClrMapping/>
+  </p:clrMapOvr>
+</p:notes>
+</file>
+
+<file path=ppt/notesSlides/notesSlide3.xml><?xml version="1.0" encoding="utf-8"?>
+<p:notes xmlns:a="http://schemas.openxmlformats.org/drawingml/2006/main" xmlns:r="http://schemas.openxmlformats.org/officeDocument/2006/relationships" xmlns:p="http://schemas.openxmlformats.org/presentationml/2006/main">
+  <p:cSld>
+    <p:spTree>
+      <p:nvGrpSpPr>
+        <p:cNvPr id="1" name=""/>
+        <p:cNvGrpSpPr/>
+        <p:nvPr/>
+      </p:nvGrpSpPr>
+      <p:grpSpPr>
+        <a:xfrm>
+          <a:off x="0" y="0"/>
+          <a:ext cx="0" cy="0"/>
+          <a:chOff x="0" y="0"/>
+          <a:chExt cx="0" cy="0"/>
+        </a:xfrm>
+      </p:grpSpPr>
+      <p:sp>
+        <p:nvSpPr>
+          <p:cNvPr id="2" name="Slide Image Placeholder 1"/>
+          <p:cNvSpPr>
+            <a:spLocks noGrp="1" noRot="1" noChangeAspect="1"/>
+          </p:cNvSpPr>
+          <p:nvPr>
+            <p:ph type="sldImg"/>
+          </p:nvPr>
+        </p:nvSpPr>
+        <p:spPr/>
+      </p:sp>
+      <p:sp>
+        <p:nvSpPr>
+          <p:cNvPr id="3" name="Notes Placeholder 2"/>
+          <p:cNvSpPr>
+            <a:spLocks noGrp="1"/>
+          </p:cNvSpPr>
+          <p:nvPr>
+            <p:ph type="body" idx="1"/>
+          </p:nvPr>
+        </p:nvSpPr>
+        <p:spPr/>
+        <p:txBody>
+          <a:bodyPr/>
+          <a:lstStyle/>
+          <a:p>
+            <a:pPr marL="0" marR="0" lvl="0" indent="0" algn="l" defTabSz="914400" rtl="0" eaLnBrk="1" fontAlgn="auto" latinLnBrk="0" hangingPunct="1">
+              <a:lnSpc>
+                <a:spcPct val="100000"/>
+              </a:lnSpc>
+              <a:spcBef>
+                <a:spcPts val="0"/>
+              </a:spcBef>
+              <a:spcAft>
+                <a:spcPts val="0"/>
+              </a:spcAft>
+              <a:buClrTx/>
+              <a:buSzTx/>
+              <a:buFontTx/>
+              <a:buNone/>
+              <a:tabLst/>
+              <a:defRPr/>
+            </a:pPr>
+            <a:r>
+              <a:rPr lang="en-GB" baseline="0" dirty="0" err="1" smtClean="0"/>
+              <a:t>Viele</a:t>
+            </a:r>
+            <a:r>
+              <a:rPr lang="en-GB" baseline="0" dirty="0" smtClean="0"/>
+              <a:t> </a:t>
+            </a:r>
+            <a:r>
+              <a:rPr lang="en-GB" baseline="0" dirty="0" err="1" smtClean="0"/>
+              <a:t>Ideen</a:t>
+            </a:r>
+            <a:r>
+              <a:rPr lang="en-GB" baseline="0" dirty="0" smtClean="0"/>
+              <a:t> </a:t>
+            </a:r>
+            <a:r>
+              <a:rPr lang="en-GB" baseline="0" dirty="0" err="1" smtClean="0"/>
+              <a:t>können</a:t>
+            </a:r>
+            <a:r>
+              <a:rPr lang="en-GB" baseline="0" dirty="0" smtClean="0"/>
+              <a:t> </a:t>
+            </a:r>
+            <a:r>
+              <a:rPr lang="en-GB" baseline="0" dirty="0" err="1" smtClean="0"/>
+              <a:t>aber</a:t>
+            </a:r>
+            <a:r>
+              <a:rPr lang="en-GB" baseline="0" dirty="0" smtClean="0"/>
+              <a:t> </a:t>
+            </a:r>
+            <a:r>
+              <a:rPr lang="en-GB" baseline="0" dirty="0" err="1" smtClean="0"/>
+              <a:t>übernommen</a:t>
+            </a:r>
+            <a:r>
+              <a:rPr lang="en-GB" baseline="0" dirty="0" smtClean="0"/>
+              <a:t> </a:t>
+            </a:r>
+            <a:r>
+              <a:rPr lang="en-GB" baseline="0" dirty="0" err="1" smtClean="0"/>
+              <a:t>werden</a:t>
+            </a:r>
+            <a:endParaRPr lang="en-GB" baseline="0" dirty="0" smtClean="0"/>
+          </a:p>
+        </p:txBody>
+      </p:sp>
+      <p:sp>
+        <p:nvSpPr>
+          <p:cNvPr id="4" name="Slide Number Placeholder 3"/>
+          <p:cNvSpPr>
+            <a:spLocks noGrp="1"/>
+          </p:cNvSpPr>
+          <p:nvPr>
+            <p:ph type="sldNum" sz="quarter" idx="10"/>
+          </p:nvPr>
+        </p:nvSpPr>
+        <p:spPr/>
+        <p:txBody>
+          <a:bodyPr/>
+          <a:lstStyle/>
+          <a:p>
+            <a:fld id="{04E102C5-3B9C-48EE-BFF0-2E7AF2F2A1F4}" type="slidenum">
+              <a:rPr lang="en-US" smtClean="0"/>
+              <a:pPr/>
+              <a:t>4</a:t>
+            </a:fld>
+            <a:endParaRPr lang="en-US" dirty="0"/>
+          </a:p>
+        </p:txBody>
+      </p:sp>
+    </p:spTree>
+    <p:extLst>
+      <p:ext uri="{BB962C8B-B14F-4D97-AF65-F5344CB8AC3E}">
+        <p14:creationId xmlns:p14="http://schemas.microsoft.com/office/powerpoint/2010/main" val="3388518320"/>
       </p:ext>
     </p:extLst>
   </p:cSld>
@@ -5007,14 +5246,14 @@
             <p:ph idx="1"/>
             <p:extLst>
               <p:ext uri="{D42A27DB-BD31-4B8C-83A1-F6EECF244321}">
-                <p14:modId xmlns:p14="http://schemas.microsoft.com/office/powerpoint/2010/main" val="3502793950"/>
+                <p14:modId xmlns:p14="http://schemas.microsoft.com/office/powerpoint/2010/main" val="129283491"/>
               </p:ext>
             </p:extLst>
           </p:nvPr>
         </p:nvGraphicFramePr>
         <p:xfrm>
-          <a:off x="773113" y="1789113"/>
-          <a:ext cx="11215688" cy="4521200"/>
+          <a:off x="773112" y="934504"/>
+          <a:ext cx="11215688" cy="4526280"/>
         </p:xfrm>
         <a:graphic>
           <a:graphicData uri="http://schemas.openxmlformats.org/drawingml/2006/table">
@@ -5232,7 +5471,19 @@
                       </a:r>
                       <a:r>
                         <a:rPr lang="en-GB" baseline="0" dirty="0" smtClean="0"/>
-                        <a:t> Use Case</a:t>
+                        <a:t> </a:t>
+                      </a:r>
+                      <a:r>
+                        <a:rPr lang="en-GB" baseline="0" dirty="0" smtClean="0"/>
+                        <a:t>Use Case (</a:t>
+                      </a:r>
+                      <a:r>
+                        <a:rPr lang="en-GB" b="1" baseline="0" dirty="0" smtClean="0"/>
+                        <a:t>two new Slides</a:t>
+                      </a:r>
+                      <a:r>
+                        <a:rPr lang="en-GB" baseline="0" dirty="0" smtClean="0"/>
+                        <a:t>)</a:t>
                       </a:r>
                       <a:endParaRPr lang="en-GB" dirty="0"/>
                     </a:p>
@@ -5306,34 +5557,11 @@
                       </a:r>
                       <a:r>
                         <a:rPr lang="en-GB" dirty="0" smtClean="0"/>
-                        <a:t> “Get Movies”</a:t>
-                      </a:r>
-                      <a:endParaRPr lang="en-GB" baseline="0" dirty="0" smtClean="0"/>
-                    </a:p>
-                    <a:p>
-                      <a:r>
-                        <a:rPr lang="en-GB" baseline="0" dirty="0" err="1" smtClean="0"/>
-                        <a:t>Übung</a:t>
-                      </a:r>
-                      <a:r>
-                        <a:rPr lang="en-GB" baseline="0" dirty="0" smtClean="0"/>
-                        <a:t> </a:t>
-                      </a:r>
-                      <a:r>
-                        <a:rPr lang="en-GB" baseline="0" dirty="0" err="1" smtClean="0"/>
-                        <a:t>besprechen</a:t>
-                      </a:r>
-                      <a:r>
-                        <a:rPr lang="en-GB" baseline="0" dirty="0" smtClean="0"/>
-                        <a:t> </a:t>
+                        <a:t> “Get Movies</a:t>
                       </a:r>
                       <a:r>
                         <a:rPr lang="en-GB" dirty="0" smtClean="0"/>
-                        <a:t>&amp; Input</a:t>
-                      </a:r>
-                      <a:r>
-                        <a:rPr lang="en-GB" baseline="0" dirty="0" smtClean="0"/>
-                        <a:t> Swagger</a:t>
+                        <a:t>”</a:t>
                       </a:r>
                       <a:endParaRPr lang="en-GB" dirty="0"/>
                     </a:p>
@@ -5389,7 +5617,17 @@
                       </a:r>
                       <a:r>
                         <a:rPr lang="en-GB" baseline="0" dirty="0" smtClean="0"/>
-                        <a:t> Assured</a:t>
+                        <a:t> </a:t>
+                      </a:r>
+                      <a:r>
+                        <a:rPr lang="en-GB" baseline="0" dirty="0" smtClean="0"/>
+                        <a:t>Assured</a:t>
+                      </a:r>
+                    </a:p>
+                    <a:p>
+                      <a:r>
+                        <a:rPr lang="en-GB" baseline="0" dirty="0" smtClean="0"/>
+                        <a:t>- Whiteboard</a:t>
                       </a:r>
                       <a:endParaRPr lang="en-GB" dirty="0"/>
                     </a:p>
@@ -5428,20 +5666,17 @@
                       </a:r>
                       <a:r>
                         <a:rPr lang="en-GB" dirty="0" smtClean="0"/>
-                        <a:t> “TDD</a:t>
-                      </a:r>
-                      <a:r>
-                        <a:rPr lang="en-GB" baseline="0" dirty="0" smtClean="0"/>
                         <a:t> </a:t>
                       </a:r>
                       <a:r>
-                        <a:rPr lang="en-GB" baseline="0" dirty="0" err="1" smtClean="0"/>
-                        <a:t>Microserivces</a:t>
+                        <a:rPr lang="en-GB" dirty="0" smtClean="0"/>
+                        <a:t>“Testing</a:t>
                       </a:r>
                       <a:r>
                         <a:rPr lang="en-GB" baseline="0" dirty="0" smtClean="0"/>
                         <a:t>”</a:t>
                       </a:r>
+                      <a:endParaRPr lang="en-GB" baseline="0" dirty="0" smtClean="0"/>
                     </a:p>
                   </a:txBody>
                   <a:tcPr/>
@@ -5503,25 +5738,6 @@
           </a:graphicData>
         </a:graphic>
       </p:graphicFrame>
-      <p:sp>
-        <p:nvSpPr>
-          <p:cNvPr id="6" name="Text Placeholder 5"/>
-          <p:cNvSpPr>
-            <a:spLocks noGrp="1"/>
-          </p:cNvSpPr>
-          <p:nvPr>
-            <p:ph type="body" sz="quarter" idx="13"/>
-          </p:nvPr>
-        </p:nvSpPr>
-        <p:spPr/>
-        <p:txBody>
-          <a:bodyPr/>
-          <a:lstStyle/>
-          <a:p>
-            <a:endParaRPr lang="de-CH" dirty="0"/>
-          </a:p>
-        </p:txBody>
-      </p:sp>
     </p:spTree>
     <p:extLst>
       <p:ext uri="{BB962C8B-B14F-4D97-AF65-F5344CB8AC3E}">
@@ -5592,13 +5808,13 @@
             <p:ph idx="1"/>
             <p:extLst>
               <p:ext uri="{D42A27DB-BD31-4B8C-83A1-F6EECF244321}">
-                <p14:modId xmlns:p14="http://schemas.microsoft.com/office/powerpoint/2010/main" val="68151832"/>
+                <p14:modId xmlns:p14="http://schemas.microsoft.com/office/powerpoint/2010/main" val="3959972528"/>
               </p:ext>
             </p:extLst>
           </p:nvPr>
         </p:nvGraphicFramePr>
         <p:xfrm>
-          <a:off x="773113" y="1789113"/>
+          <a:off x="773112" y="930330"/>
           <a:ext cx="11215688" cy="4993640"/>
         </p:xfrm>
         <a:graphic>
@@ -5684,7 +5900,19 @@
                       </a:r>
                       <a:r>
                         <a:rPr lang="en-GB" b="1" baseline="0" dirty="0" smtClean="0"/>
-                        <a:t>new Slides</a:t>
+                        <a:t>new </a:t>
+                      </a:r>
+                      <a:r>
+                        <a:rPr lang="en-GB" b="1" baseline="0" dirty="0" smtClean="0"/>
+                        <a:t>Slides </a:t>
+                      </a:r>
+                      <a:r>
+                        <a:rPr lang="en-GB" b="1" baseline="0" dirty="0" err="1" smtClean="0"/>
+                        <a:t>oder</a:t>
+                      </a:r>
+                      <a:r>
+                        <a:rPr lang="en-GB" b="1" baseline="0" dirty="0" smtClean="0"/>
+                        <a:t> Whiteboard</a:t>
                       </a:r>
                       <a:endParaRPr lang="en-GB" b="1" dirty="0" smtClean="0"/>
                     </a:p>
@@ -5723,11 +5951,11 @@
                       </a:r>
                       <a:r>
                         <a:rPr lang="en-GB" dirty="0" smtClean="0"/>
-                        <a:t> “Get some real movies</a:t>
+                        <a:t> </a:t>
                       </a:r>
                       <a:r>
                         <a:rPr lang="en-GB" dirty="0" smtClean="0"/>
-                        <a:t>”</a:t>
+                        <a:t>“Service Integration”</a:t>
                       </a:r>
                       <a:endParaRPr lang="en-GB" dirty="0" smtClean="0"/>
                     </a:p>
@@ -5748,7 +5976,7 @@
                     <a:p>
                       <a:r>
                         <a:rPr lang="en-GB" dirty="0" smtClean="0"/>
-                        <a:t>13:45</a:t>
+                        <a:t>14:00</a:t>
                       </a:r>
                       <a:endParaRPr lang="en-GB" dirty="0"/>
                     </a:p>
@@ -5762,15 +5990,11 @@
                     <a:p>
                       <a:r>
                         <a:rPr lang="en-GB" dirty="0" smtClean="0"/>
-                        <a:t>Spring Boot Configuration </a:t>
-                      </a:r>
-                      <a:r>
-                        <a:rPr lang="en-GB" b="1" dirty="0" smtClean="0"/>
-                        <a:t>new</a:t>
-                      </a:r>
-                      <a:r>
-                        <a:rPr lang="en-GB" b="1" baseline="0" dirty="0" smtClean="0"/>
-                        <a:t> Slides</a:t>
+                        <a:t>Spring Boot </a:t>
+                      </a:r>
+                      <a:r>
+                        <a:rPr lang="en-GB" dirty="0" smtClean="0"/>
+                        <a:t>Configuration</a:t>
                       </a:r>
                       <a:endParaRPr lang="en-GB" b="1" dirty="0"/>
                     </a:p>
@@ -5791,7 +6015,46 @@
                     <a:p>
                       <a:r>
                         <a:rPr lang="en-GB" dirty="0" smtClean="0"/>
-                        <a:t>13:45</a:t>
+                        <a:t>14:15</a:t>
+                      </a:r>
+                      <a:endParaRPr lang="en-GB" dirty="0"/>
+                    </a:p>
+                  </a:txBody>
+                  <a:tcPr/>
+                </a:tc>
+                <a:tc>
+                  <a:txBody>
+                    <a:bodyPr/>
+                    <a:lstStyle/>
+                    <a:p>
+                      <a:r>
+                        <a:rPr lang="en-GB" b="0" dirty="0" err="1" smtClean="0"/>
+                        <a:t>Übung</a:t>
+                      </a:r>
+                      <a:r>
+                        <a:rPr lang="en-GB" b="0" baseline="0" dirty="0" smtClean="0"/>
+                        <a:t> “Configuration”</a:t>
+                      </a:r>
+                      <a:endParaRPr lang="en-GB" b="0" dirty="0"/>
+                    </a:p>
+                  </a:txBody>
+                  <a:tcPr/>
+                </a:tc>
+                <a:extLst>
+                  <a:ext uri="{0D108BD9-81ED-4DB2-BD59-A6C34878D82A}">
+                    <a16:rowId xmlns:a16="http://schemas.microsoft.com/office/drawing/2014/main" val="236632488"/>
+                  </a:ext>
+                </a:extLst>
+              </a:tr>
+              <a:tr h="370840">
+                <a:tc>
+                  <a:txBody>
+                    <a:bodyPr/>
+                    <a:lstStyle/>
+                    <a:p>
+                      <a:r>
+                        <a:rPr lang="en-GB" dirty="0" smtClean="0"/>
+                        <a:t>14:30</a:t>
                       </a:r>
                       <a:endParaRPr lang="en-GB" dirty="0"/>
                     </a:p>
@@ -5834,7 +6097,7 @@
                     <a:p>
                       <a:r>
                         <a:rPr lang="en-GB" dirty="0" smtClean="0"/>
-                        <a:t>14:00</a:t>
+                        <a:t>14:45</a:t>
                       </a:r>
                       <a:endParaRPr lang="en-GB" dirty="0"/>
                     </a:p>
@@ -5873,7 +6136,7 @@
                     <a:p>
                       <a:r>
                         <a:rPr lang="en-GB" dirty="0" smtClean="0"/>
-                        <a:t>14:30</a:t>
+                        <a:t>15:00</a:t>
                       </a:r>
                       <a:endParaRPr lang="en-GB" dirty="0"/>
                     </a:p>
@@ -5885,14 +6148,32 @@
                     <a:bodyPr/>
                     <a:lstStyle/>
                     <a:p>
+                      <a:pPr marL="0" marR="0" lvl="0" indent="0" algn="l" defTabSz="914400" rtl="0" eaLnBrk="1" fontAlgn="auto" latinLnBrk="0" hangingPunct="1">
+                        <a:lnSpc>
+                          <a:spcPct val="100000"/>
+                        </a:lnSpc>
+                        <a:spcBef>
+                          <a:spcPts val="0"/>
+                        </a:spcBef>
+                        <a:spcAft>
+                          <a:spcPts val="0"/>
+                        </a:spcAft>
+                        <a:buClrTx/>
+                        <a:buSzTx/>
+                        <a:buFontTx/>
+                        <a:buNone/>
+                        <a:tabLst/>
+                        <a:defRPr/>
+                      </a:pPr>
                       <a:r>
                         <a:rPr lang="en-GB" dirty="0" smtClean="0"/>
-                        <a:t>Monitoring </a:t>
-                      </a:r>
-                      <a:r>
-                        <a:rPr lang="en-GB" b="1" dirty="0" smtClean="0"/>
-                        <a:t>new Slides</a:t>
-                      </a:r>
+                        <a:t>Coffee</a:t>
+                      </a:r>
+                      <a:r>
+                        <a:rPr lang="en-GB" baseline="0" dirty="0" smtClean="0"/>
+                        <a:t> Break</a:t>
+                      </a:r>
+                      <a:endParaRPr lang="en-GB" dirty="0" smtClean="0"/>
                     </a:p>
                   </a:txBody>
                   <a:tcPr/>
@@ -5911,7 +6192,7 @@
                     <a:p>
                       <a:r>
                         <a:rPr lang="en-GB" dirty="0" smtClean="0"/>
-                        <a:t>14:45</a:t>
+                        <a:t>15:30</a:t>
                       </a:r>
                       <a:endParaRPr lang="en-GB" dirty="0"/>
                     </a:p>
@@ -5924,12 +6205,12 @@
                     <a:lstStyle/>
                     <a:p>
                       <a:r>
-                        <a:rPr lang="en-GB" dirty="0" err="1" smtClean="0"/>
-                        <a:t>Übung</a:t>
-                      </a:r>
-                      <a:r>
                         <a:rPr lang="en-GB" dirty="0" smtClean="0"/>
-                        <a:t> “Monitoring”</a:t>
+                        <a:t>Monitoring </a:t>
+                      </a:r>
+                      <a:r>
+                        <a:rPr lang="en-GB" b="1" dirty="0" smtClean="0"/>
+                        <a:t>new Slides </a:t>
                       </a:r>
                       <a:endParaRPr lang="en-GB" dirty="0"/>
                     </a:p>
@@ -5950,7 +6231,7 @@
                     <a:p>
                       <a:r>
                         <a:rPr lang="en-GB" dirty="0" smtClean="0"/>
-                        <a:t>15:00</a:t>
+                        <a:t>15:45</a:t>
                       </a:r>
                       <a:endParaRPr lang="en-GB" dirty="0"/>
                     </a:p>
@@ -5963,12 +6244,12 @@
                     <a:lstStyle/>
                     <a:p>
                       <a:r>
+                        <a:rPr lang="en-GB" dirty="0" err="1" smtClean="0"/>
+                        <a:t>Übung</a:t>
+                      </a:r>
+                      <a:r>
                         <a:rPr lang="en-GB" dirty="0" smtClean="0"/>
-                        <a:t>Coffee</a:t>
-                      </a:r>
-                      <a:r>
-                        <a:rPr lang="en-GB" baseline="0" dirty="0" smtClean="0"/>
-                        <a:t> Break</a:t>
+                        <a:t> “Monitoring”</a:t>
                       </a:r>
                       <a:endParaRPr lang="en-GB" dirty="0"/>
                     </a:p>
@@ -5989,7 +6270,7 @@
                     <a:p>
                       <a:r>
                         <a:rPr lang="en-GB" dirty="0" smtClean="0"/>
-                        <a:t>15:30</a:t>
+                        <a:t>16:30</a:t>
                       </a:r>
                       <a:endParaRPr lang="en-GB" dirty="0"/>
                     </a:p>
@@ -6002,56 +6283,6 @@
                     <a:lstStyle/>
                     <a:p>
                       <a:r>
-                        <a:rPr lang="en-GB" baseline="0" dirty="0" smtClean="0"/>
-                        <a:t>?? </a:t>
-                      </a:r>
-                      <a:r>
-                        <a:rPr lang="en-GB" baseline="0" dirty="0" err="1" smtClean="0"/>
-                        <a:t>ev</a:t>
-                      </a:r>
-                      <a:r>
-                        <a:rPr lang="en-GB" baseline="0" dirty="0" smtClean="0"/>
-                        <a:t>. </a:t>
-                      </a:r>
-                      <a:r>
-                        <a:rPr lang="en-GB" baseline="0" smtClean="0"/>
-                        <a:t>Databases, </a:t>
-                      </a:r>
-                      <a:r>
-                        <a:rPr lang="en-GB" baseline="0" dirty="0" smtClean="0"/>
-                        <a:t>Messaging, Transaction</a:t>
-                      </a:r>
-                    </a:p>
-                  </a:txBody>
-                  <a:tcPr/>
-                </a:tc>
-                <a:extLst>
-                  <a:ext uri="{0D108BD9-81ED-4DB2-BD59-A6C34878D82A}">
-                    <a16:rowId xmlns:a16="http://schemas.microsoft.com/office/drawing/2014/main" val="1599418774"/>
-                  </a:ext>
-                </a:extLst>
-              </a:tr>
-              <a:tr h="370840">
-                <a:tc>
-                  <a:txBody>
-                    <a:bodyPr/>
-                    <a:lstStyle/>
-                    <a:p>
-                      <a:r>
-                        <a:rPr lang="en-GB" dirty="0" smtClean="0"/>
-                        <a:t>16:30</a:t>
-                      </a:r>
-                      <a:endParaRPr lang="en-GB" dirty="0"/>
-                    </a:p>
-                  </a:txBody>
-                  <a:tcPr/>
-                </a:tc>
-                <a:tc>
-                  <a:txBody>
-                    <a:bodyPr/>
-                    <a:lstStyle/>
-                    <a:p>
-                      <a:r>
                         <a:rPr lang="en-GB" baseline="0" dirty="0" err="1" smtClean="0"/>
                         <a:t>Vor</a:t>
                       </a:r>
@@ -6084,55 +6315,19 @@
                       </a:r>
                       <a:r>
                         <a:rPr lang="en-GB" baseline="0" dirty="0" smtClean="0"/>
-                        <a:t> Second new Slide</a:t>
+                        <a:t> Second </a:t>
+                      </a:r>
+                      <a:r>
+                        <a:rPr lang="en-GB" b="1" baseline="0" dirty="0" smtClean="0"/>
+                        <a:t>new Slides</a:t>
                       </a:r>
                     </a:p>
                     <a:p>
                       <a:r>
-                        <a:rPr lang="en-GB" baseline="0" dirty="0" err="1" smtClean="0"/>
-                        <a:t>Viele</a:t>
-                      </a:r>
-                      <a:r>
-                        <a:rPr lang="en-GB" baseline="0" dirty="0" smtClean="0"/>
-                        <a:t> </a:t>
-                      </a:r>
-                      <a:r>
-                        <a:rPr lang="en-GB" baseline="0" dirty="0" err="1" smtClean="0"/>
-                        <a:t>Ideen</a:t>
-                      </a:r>
-                      <a:r>
-                        <a:rPr lang="en-GB" baseline="0" dirty="0" smtClean="0"/>
-                        <a:t> </a:t>
-                      </a:r>
-                      <a:r>
-                        <a:rPr lang="en-GB" baseline="0" dirty="0" err="1" smtClean="0"/>
-                        <a:t>können</a:t>
-                      </a:r>
-                      <a:r>
-                        <a:rPr lang="en-GB" baseline="0" dirty="0" smtClean="0"/>
-                        <a:t> </a:t>
-                      </a:r>
-                      <a:r>
-                        <a:rPr lang="en-GB" baseline="0" dirty="0" err="1" smtClean="0"/>
-                        <a:t>aber</a:t>
-                      </a:r>
-                      <a:r>
-                        <a:rPr lang="en-GB" baseline="0" dirty="0" smtClean="0"/>
-                        <a:t> </a:t>
-                      </a:r>
-                      <a:r>
-                        <a:rPr lang="en-GB" baseline="0" dirty="0" err="1" smtClean="0"/>
-                        <a:t>übernommen</a:t>
-                      </a:r>
-                      <a:r>
-                        <a:rPr lang="en-GB" baseline="0" dirty="0" smtClean="0"/>
-                        <a:t> </a:t>
-                      </a:r>
-                      <a:r>
-                        <a:rPr lang="en-GB" baseline="0" dirty="0" err="1" smtClean="0"/>
-                        <a:t>werden</a:t>
-                      </a:r>
-                      <a:endParaRPr lang="en-GB" baseline="0" dirty="0" smtClean="0"/>
+                        <a:rPr lang="en-GB" dirty="0" err="1" smtClean="0"/>
+                        <a:t>Ausblick</a:t>
+                      </a:r>
+                      <a:endParaRPr lang="en-GB" b="1" baseline="0" dirty="0" smtClean="0"/>
                     </a:p>
                   </a:txBody>
                   <a:tcPr/>
@@ -6165,11 +6360,7 @@
                     <a:p>
                       <a:r>
                         <a:rPr lang="en-GB" dirty="0" smtClean="0"/>
-                        <a:t>Feedback &amp; </a:t>
-                      </a:r>
-                      <a:r>
-                        <a:rPr lang="en-GB" dirty="0" err="1" smtClean="0"/>
-                        <a:t>Ausblick</a:t>
+                        <a:t>Feedback</a:t>
                       </a:r>
                       <a:endParaRPr lang="en-GB" dirty="0"/>
                     </a:p>
@@ -6186,25 +6377,6 @@
           </a:graphicData>
         </a:graphic>
       </p:graphicFrame>
-      <p:sp>
-        <p:nvSpPr>
-          <p:cNvPr id="6" name="Text Placeholder 5"/>
-          <p:cNvSpPr>
-            <a:spLocks noGrp="1"/>
-          </p:cNvSpPr>
-          <p:nvPr>
-            <p:ph type="body" sz="quarter" idx="13"/>
-          </p:nvPr>
-        </p:nvSpPr>
-        <p:spPr/>
-        <p:txBody>
-          <a:bodyPr/>
-          <a:lstStyle/>
-          <a:p>
-            <a:endParaRPr lang="de-CH" dirty="0"/>
-          </a:p>
-        </p:txBody>
-      </p:sp>
     </p:spTree>
     <p:extLst>
       <p:ext uri="{BB962C8B-B14F-4D97-AF65-F5344CB8AC3E}">

--- a/slides/Intro.pptx
+++ b/slides/Intro.pptx
@@ -267,7 +267,7 @@
               <a:rPr lang="de-DE" smtClean="0">
                 <a:latin typeface="AA Zuehlke" pitchFamily="2" charset="0"/>
               </a:rPr>
-              <a:t>21.04.2017</a:t>
+              <a:t>23.04.2017</a:t>
             </a:fld>
             <a:endParaRPr lang="de-DE" dirty="0">
               <a:latin typeface="AA Zuehlke" pitchFamily="2" charset="0"/>
@@ -445,7 +445,7 @@
             <a:fld id="{A6966AE6-B72D-4967-9CA3-8469D2863705}" type="datetimeFigureOut">
               <a:rPr lang="en-US" smtClean="0"/>
               <a:pPr/>
-              <a:t>4/21/2017</a:t>
+              <a:t>4/23/2017</a:t>
             </a:fld>
             <a:endParaRPr lang="en-US" dirty="0"/>
           </a:p>
@@ -1328,7 +1328,20 @@
             </a:r>
             <a:r>
               <a:rPr lang="de-CH" baseline="0" dirty="0" smtClean="0"/>
-              <a:t> Übung sollte nicht länger als 25 Minuten dauern, damit genügend Zeit ist, die Übung zu besprechen.</a:t>
+              <a:t> Übung sollte nicht länger als 25 Minuten dauern, damit genügend Zeit ist, die Übung zu </a:t>
+            </a:r>
+            <a:r>
+              <a:rPr lang="de-CH" baseline="0" dirty="0" smtClean="0"/>
+              <a:t>besprechen.</a:t>
+            </a:r>
+          </a:p>
+          <a:p>
+            <a:endParaRPr lang="de-CH" baseline="0" dirty="0" smtClean="0"/>
+          </a:p>
+          <a:p>
+            <a:r>
+              <a:rPr lang="de-CH" smtClean="0"/>
+              <a:t>https://martinfowler.com/articles/microservice-testing/</a:t>
             </a:r>
             <a:endParaRPr lang="de-CH" dirty="0"/>
           </a:p>
@@ -5471,11 +5484,7 @@
                       </a:r>
                       <a:r>
                         <a:rPr lang="en-GB" baseline="0" dirty="0" smtClean="0"/>
-                        <a:t> </a:t>
-                      </a:r>
-                      <a:r>
-                        <a:rPr lang="en-GB" baseline="0" dirty="0" smtClean="0"/>
-                        <a:t>Use Case (</a:t>
+                        <a:t> Use Case (</a:t>
                       </a:r>
                       <a:r>
                         <a:rPr lang="en-GB" b="1" baseline="0" dirty="0" smtClean="0"/>
@@ -5557,11 +5566,7 @@
                       </a:r>
                       <a:r>
                         <a:rPr lang="en-GB" dirty="0" smtClean="0"/>
-                        <a:t> “Get Movies</a:t>
-                      </a:r>
-                      <a:r>
-                        <a:rPr lang="en-GB" dirty="0" smtClean="0"/>
-                        <a:t>”</a:t>
+                        <a:t> “Get Movies”</a:t>
                       </a:r>
                       <a:endParaRPr lang="en-GB" dirty="0"/>
                     </a:p>
@@ -5617,11 +5622,7 @@
                       </a:r>
                       <a:r>
                         <a:rPr lang="en-GB" baseline="0" dirty="0" smtClean="0"/>
-                        <a:t> </a:t>
-                      </a:r>
-                      <a:r>
-                        <a:rPr lang="en-GB" baseline="0" dirty="0" smtClean="0"/>
-                        <a:t>Assured</a:t>
+                        <a:t> Assured</a:t>
                       </a:r>
                     </a:p>
                     <a:p>
@@ -5666,17 +5667,12 @@
                       </a:r>
                       <a:r>
                         <a:rPr lang="en-GB" dirty="0" smtClean="0"/>
-                        <a:t> </a:t>
-                      </a:r>
-                      <a:r>
-                        <a:rPr lang="en-GB" dirty="0" smtClean="0"/>
-                        <a:t>“Testing</a:t>
+                        <a:t> “Testing</a:t>
                       </a:r>
                       <a:r>
                         <a:rPr lang="en-GB" baseline="0" dirty="0" smtClean="0"/>
                         <a:t>”</a:t>
                       </a:r>
-                      <a:endParaRPr lang="en-GB" baseline="0" dirty="0" smtClean="0"/>
                     </a:p>
                   </a:txBody>
                   <a:tcPr/>
@@ -5900,11 +5896,7 @@
                       </a:r>
                       <a:r>
                         <a:rPr lang="en-GB" b="1" baseline="0" dirty="0" smtClean="0"/>
-                        <a:t>new </a:t>
-                      </a:r>
-                      <a:r>
-                        <a:rPr lang="en-GB" b="1" baseline="0" dirty="0" smtClean="0"/>
-                        <a:t>Slides </a:t>
+                        <a:t>new Slides </a:t>
                       </a:r>
                       <a:r>
                         <a:rPr lang="en-GB" b="1" baseline="0" dirty="0" err="1" smtClean="0"/>
@@ -5951,13 +5943,8 @@
                       </a:r>
                       <a:r>
                         <a:rPr lang="en-GB" dirty="0" smtClean="0"/>
-                        <a:t> </a:t>
-                      </a:r>
-                      <a:r>
-                        <a:rPr lang="en-GB" dirty="0" smtClean="0"/>
-                        <a:t>“Service Integration”</a:t>
-                      </a:r>
-                      <a:endParaRPr lang="en-GB" dirty="0" smtClean="0"/>
+                        <a:t> “Service Integration”</a:t>
+                      </a:r>
                     </a:p>
                   </a:txBody>
                   <a:tcPr/>
@@ -5990,11 +5977,7 @@
                     <a:p>
                       <a:r>
                         <a:rPr lang="en-GB" dirty="0" smtClean="0"/>
-                        <a:t>Spring Boot </a:t>
-                      </a:r>
-                      <a:r>
-                        <a:rPr lang="en-GB" dirty="0" smtClean="0"/>
-                        <a:t>Configuration</a:t>
+                        <a:t>Spring Boot Configuration</a:t>
                       </a:r>
                       <a:endParaRPr lang="en-GB" b="1" dirty="0"/>
                     </a:p>

--- a/slides/Intro.pptx
+++ b/slides/Intro.pptx
@@ -267,7 +267,7 @@
               <a:rPr lang="de-DE" smtClean="0">
                 <a:latin typeface="AA Zuehlke" pitchFamily="2" charset="0"/>
               </a:rPr>
-              <a:t>23.04.2017</a:t>
+              <a:t>08.05.2017</a:t>
             </a:fld>
             <a:endParaRPr lang="de-DE" dirty="0">
               <a:latin typeface="AA Zuehlke" pitchFamily="2" charset="0"/>
@@ -445,7 +445,7 @@
             <a:fld id="{A6966AE6-B72D-4967-9CA3-8469D2863705}" type="datetimeFigureOut">
               <a:rPr lang="en-US" smtClean="0"/>
               <a:pPr/>
-              <a:t>4/23/2017</a:t>
+              <a:t>5/8/2017</a:t>
             </a:fld>
             <a:endParaRPr lang="en-US" dirty="0"/>
           </a:p>
@@ -1328,11 +1328,7 @@
             </a:r>
             <a:r>
               <a:rPr lang="de-CH" baseline="0" dirty="0" smtClean="0"/>
-              <a:t> Übung sollte nicht länger als 25 Minuten dauern, damit genügend Zeit ist, die Übung zu </a:t>
-            </a:r>
-            <a:r>
-              <a:rPr lang="de-CH" baseline="0" dirty="0" smtClean="0"/>
-              <a:t>besprechen.</a:t>
+              <a:t> Übung sollte nicht länger als 25 Minuten dauern, damit genügend Zeit ist, die Übung zu besprechen.</a:t>
             </a:r>
           </a:p>
           <a:p>
@@ -5259,14 +5255,14 @@
             <p:ph idx="1"/>
             <p:extLst>
               <p:ext uri="{D42A27DB-BD31-4B8C-83A1-F6EECF244321}">
-                <p14:modId xmlns:p14="http://schemas.microsoft.com/office/powerpoint/2010/main" val="129283491"/>
+                <p14:modId xmlns:p14="http://schemas.microsoft.com/office/powerpoint/2010/main" val="3875275167"/>
               </p:ext>
             </p:extLst>
           </p:nvPr>
         </p:nvGraphicFramePr>
         <p:xfrm>
           <a:off x="773112" y="934504"/>
-          <a:ext cx="11215688" cy="4526280"/>
+          <a:ext cx="11215688" cy="3708400"/>
         </p:xfrm>
         <a:graphic>
           <a:graphicData uri="http://schemas.openxmlformats.org/drawingml/2006/table">
@@ -5484,15 +5480,7 @@
                       </a:r>
                       <a:r>
                         <a:rPr lang="en-GB" baseline="0" dirty="0" smtClean="0"/>
-                        <a:t> Use Case (</a:t>
-                      </a:r>
-                      <a:r>
-                        <a:rPr lang="en-GB" b="1" baseline="0" dirty="0" smtClean="0"/>
-                        <a:t>two new Slides</a:t>
-                      </a:r>
-                      <a:r>
-                        <a:rPr lang="en-GB" baseline="0" dirty="0" smtClean="0"/>
-                        <a:t>)</a:t>
+                        <a:t> Use Case</a:t>
                       </a:r>
                       <a:endParaRPr lang="en-GB" dirty="0"/>
                     </a:p>
@@ -5607,30 +5595,6 @@
                         <a:rPr lang="en-GB" dirty="0" smtClean="0"/>
                         <a:t> Testing</a:t>
                       </a:r>
-                    </a:p>
-                    <a:p>
-                      <a:r>
-                        <a:rPr lang="en-GB" dirty="0" smtClean="0"/>
-                        <a:t>- Slides: https://martinfowler.com/articles/microservice-testing/</a:t>
-                      </a:r>
-                      <a:br>
-                        <a:rPr lang="en-GB" dirty="0" smtClean="0"/>
-                      </a:br>
-                      <a:r>
-                        <a:rPr lang="en-GB" dirty="0" smtClean="0"/>
-                        <a:t>- Rest</a:t>
-                      </a:r>
-                      <a:r>
-                        <a:rPr lang="en-GB" baseline="0" dirty="0" smtClean="0"/>
-                        <a:t> Assured</a:t>
-                      </a:r>
-                    </a:p>
-                    <a:p>
-                      <a:r>
-                        <a:rPr lang="en-GB" baseline="0" dirty="0" smtClean="0"/>
-                        <a:t>- Whiteboard</a:t>
-                      </a:r>
-                      <a:endParaRPr lang="en-GB" dirty="0"/>
                     </a:p>
                   </a:txBody>
                   <a:tcPr/>
@@ -5804,14 +5768,14 @@
             <p:ph idx="1"/>
             <p:extLst>
               <p:ext uri="{D42A27DB-BD31-4B8C-83A1-F6EECF244321}">
-                <p14:modId xmlns:p14="http://schemas.microsoft.com/office/powerpoint/2010/main" val="3959972528"/>
+                <p14:modId xmlns:p14="http://schemas.microsoft.com/office/powerpoint/2010/main" val="2736454613"/>
               </p:ext>
             </p:extLst>
           </p:nvPr>
         </p:nvGraphicFramePr>
         <p:xfrm>
           <a:off x="773112" y="930330"/>
-          <a:ext cx="11215688" cy="4993640"/>
+          <a:ext cx="11215688" cy="4719320"/>
         </p:xfrm>
         <a:graphic>
           <a:graphicData uri="http://schemas.openxmlformats.org/drawingml/2006/table">
@@ -5892,19 +5856,7 @@
                     <a:p>
                       <a:r>
                         <a:rPr lang="en-GB" baseline="0" dirty="0" smtClean="0"/>
-                        <a:t>Service Integration </a:t>
-                      </a:r>
-                      <a:r>
-                        <a:rPr lang="en-GB" b="1" baseline="0" dirty="0" smtClean="0"/>
-                        <a:t>new Slides </a:t>
-                      </a:r>
-                      <a:r>
-                        <a:rPr lang="en-GB" b="1" baseline="0" dirty="0" err="1" smtClean="0"/>
-                        <a:t>oder</a:t>
-                      </a:r>
-                      <a:r>
-                        <a:rPr lang="en-GB" b="1" baseline="0" dirty="0" smtClean="0"/>
-                        <a:t> Whiteboard</a:t>
+                        <a:t>Service Integration</a:t>
                       </a:r>
                       <a:endParaRPr lang="en-GB" b="1" dirty="0" smtClean="0"/>
                     </a:p>
@@ -6055,11 +6007,11 @@
                       </a:r>
                       <a:r>
                         <a:rPr lang="en-GB" baseline="0" dirty="0" smtClean="0"/>
-                        <a:t> for Failure &amp; </a:t>
+                        <a:t> for </a:t>
                       </a:r>
                       <a:r>
-                        <a:rPr lang="en-GB" baseline="0" dirty="0" err="1" smtClean="0"/>
-                        <a:t>Hystrix</a:t>
+                        <a:rPr lang="en-GB" baseline="0" dirty="0" smtClean="0"/>
+                        <a:t>Failure</a:t>
                       </a:r>
                       <a:endParaRPr lang="en-GB" dirty="0"/>
                     </a:p>
@@ -6189,11 +6141,7 @@
                     <a:p>
                       <a:r>
                         <a:rPr lang="en-GB" dirty="0" smtClean="0"/>
-                        <a:t>Monitoring </a:t>
-                      </a:r>
-                      <a:r>
-                        <a:rPr lang="en-GB" b="1" dirty="0" smtClean="0"/>
-                        <a:t>new Slides </a:t>
+                        <a:t>Monitoring</a:t>
                       </a:r>
                       <a:endParaRPr lang="en-GB" dirty="0"/>
                     </a:p>
@@ -6285,25 +6233,7 @@
                         <a:rPr lang="en-GB" baseline="0" dirty="0" err="1" smtClean="0"/>
                         <a:t>Microservices</a:t>
                       </a:r>
-                      <a:endParaRPr lang="en-GB" baseline="0" dirty="0" smtClean="0"/>
-                    </a:p>
-                    <a:p>
-                      <a:r>
-                        <a:rPr lang="en-GB" baseline="0" dirty="0" smtClean="0"/>
-                        <a:t>Monolith First, </a:t>
-                      </a:r>
-                      <a:r>
-                        <a:rPr lang="en-GB" baseline="0" dirty="0" err="1" smtClean="0"/>
-                        <a:t>Microservices</a:t>
-                      </a:r>
-                      <a:r>
-                        <a:rPr lang="en-GB" baseline="0" dirty="0" smtClean="0"/>
-                        <a:t> Second </a:t>
-                      </a:r>
-                      <a:r>
-                        <a:rPr lang="en-GB" b="1" baseline="0" dirty="0" smtClean="0"/>
-                        <a:t>new Slides</a:t>
-                      </a:r>
+                      <a:endParaRPr lang="en-GB" b="1" baseline="0" dirty="0" smtClean="0"/>
                     </a:p>
                     <a:p>
                       <a:r>

--- a/slides/Intro.pptx
+++ b/slides/Intro.pptx
@@ -267,7 +267,7 @@
               <a:rPr lang="de-DE" smtClean="0">
                 <a:latin typeface="AA Zuehlke" pitchFamily="2" charset="0"/>
               </a:rPr>
-              <a:t>08.05.2017</a:t>
+              <a:t>08.02.2018</a:t>
             </a:fld>
             <a:endParaRPr lang="de-DE" dirty="0">
               <a:latin typeface="AA Zuehlke" pitchFamily="2" charset="0"/>
@@ -445,7 +445,7 @@
             <a:fld id="{A6966AE6-B72D-4967-9CA3-8469D2863705}" type="datetimeFigureOut">
               <a:rPr lang="en-US" smtClean="0"/>
               <a:pPr/>
-              <a:t>5/8/2017</a:t>
+              <a:t>2/8/2018</a:t>
             </a:fld>
             <a:endParaRPr lang="en-US" dirty="0"/>
           </a:p>
@@ -5255,7 +5255,7 @@
             <p:ph idx="1"/>
             <p:extLst>
               <p:ext uri="{D42A27DB-BD31-4B8C-83A1-F6EECF244321}">
-                <p14:modId xmlns:p14="http://schemas.microsoft.com/office/powerpoint/2010/main" val="3875275167"/>
+                <p14:modId xmlns:p14="http://schemas.microsoft.com/office/powerpoint/2010/main" val="3604501656"/>
               </p:ext>
             </p:extLst>
           </p:nvPr>
@@ -5677,11 +5677,43 @@
                       </a:r>
                       <a:r>
                         <a:rPr lang="en-GB" dirty="0" smtClean="0"/>
+                        <a:t> Restaurant </a:t>
+                      </a:r>
+                      <a:r>
+                        <a:rPr lang="de-CH" sz="1800" kern="1200" dirty="0" err="1" smtClean="0">
+                          <a:solidFill>
+                            <a:schemeClr val="dk1"/>
+                          </a:solidFill>
+                          <a:effectLst/>
+                          <a:latin typeface="+mn-lt"/>
+                          <a:ea typeface="+mn-ea"/>
+                          <a:cs typeface="+mn-cs"/>
+                        </a:rPr>
+                        <a:t>eifach</a:t>
+                      </a:r>
+                      <a:r>
+                        <a:rPr lang="de-CH" sz="1800" kern="1200" dirty="0" smtClean="0">
+                          <a:solidFill>
+                            <a:schemeClr val="dk1"/>
+                          </a:solidFill>
+                          <a:effectLst/>
+                          <a:latin typeface="+mn-lt"/>
+                          <a:ea typeface="+mn-ea"/>
+                          <a:cs typeface="+mn-cs"/>
+                        </a:rPr>
                         <a:t> </a:t>
                       </a:r>
                       <a:r>
-                        <a:rPr lang="en-GB" dirty="0" err="1" smtClean="0"/>
-                        <a:t>Pangäa</a:t>
+                        <a:rPr lang="de-CH" sz="1800" kern="1200" dirty="0" err="1" smtClean="0">
+                          <a:solidFill>
+                            <a:schemeClr val="dk1"/>
+                          </a:solidFill>
+                          <a:effectLst/>
+                          <a:latin typeface="+mn-lt"/>
+                          <a:ea typeface="+mn-ea"/>
+                          <a:cs typeface="+mn-cs"/>
+                        </a:rPr>
+                        <a:t>guet</a:t>
                       </a:r>
                       <a:endParaRPr lang="en-GB" dirty="0"/>
                     </a:p>
@@ -6007,11 +6039,7 @@
                       </a:r>
                       <a:r>
                         <a:rPr lang="en-GB" baseline="0" dirty="0" smtClean="0"/>
-                        <a:t> for </a:t>
-                      </a:r>
-                      <a:r>
-                        <a:rPr lang="en-GB" baseline="0" dirty="0" smtClean="0"/>
-                        <a:t>Failure</a:t>
+                        <a:t> for Failure</a:t>
                       </a:r>
                       <a:endParaRPr lang="en-GB" dirty="0"/>
                     </a:p>
